--- a/Mybatis-分享-hynd.pptx
+++ b/Mybatis-分享-hynd.pptx
@@ -5,10 +5,10 @@
     <p:sldMasterId id="2147483648" r:id="rId1"/>
   </p:sldMasterIdLst>
   <p:notesMasterIdLst>
-    <p:notesMasterId r:id="rId30"/>
+    <p:notesMasterId r:id="rId40"/>
   </p:notesMasterIdLst>
   <p:handoutMasterIdLst>
-    <p:handoutMasterId r:id="rId31"/>
+    <p:handoutMasterId r:id="rId41"/>
   </p:handoutMasterIdLst>
   <p:sldIdLst>
     <p:sldId id="256" r:id="rId2"/>
@@ -37,8 +37,18 @@
     <p:sldId id="279" r:id="rId25"/>
     <p:sldId id="283" r:id="rId26"/>
     <p:sldId id="284" r:id="rId27"/>
-    <p:sldId id="269" r:id="rId28"/>
-    <p:sldId id="270" r:id="rId29"/>
+    <p:sldId id="285" r:id="rId28"/>
+    <p:sldId id="286" r:id="rId29"/>
+    <p:sldId id="288" r:id="rId30"/>
+    <p:sldId id="287" r:id="rId31"/>
+    <p:sldId id="289" r:id="rId32"/>
+    <p:sldId id="290" r:id="rId33"/>
+    <p:sldId id="291" r:id="rId34"/>
+    <p:sldId id="293" r:id="rId35"/>
+    <p:sldId id="294" r:id="rId36"/>
+    <p:sldId id="292" r:id="rId37"/>
+    <p:sldId id="269" r:id="rId38"/>
+    <p:sldId id="270" r:id="rId39"/>
   </p:sldIdLst>
   <p:sldSz cx="9144000" cy="6858000" type="screen4x3"/>
   <p:notesSz cx="6858000" cy="9144000"/>
@@ -222,7 +232,7 @@
           <a:p>
             <a:fld id="{210652A4-3D81-462B-90C4-119A4FC1CE1F}" type="datetimeFigureOut">
               <a:rPr lang="zh-CN" altLang="en-US" smtClean="0"/>
-              <a:t>2015/6/2</a:t>
+              <a:t>2015/6/3</a:t>
             </a:fld>
             <a:endParaRPr lang="zh-CN" altLang="en-US"/>
           </a:p>
@@ -387,7 +397,7 @@
           <a:p>
             <a:fld id="{33B958A5-A5A9-4BF2-AF42-DC0F968A2654}" type="datetimeFigureOut">
               <a:rPr lang="zh-CN" altLang="en-US" smtClean="0"/>
-              <a:t>2015/6/2</a:t>
+              <a:t>2015/6/3</a:t>
             </a:fld>
             <a:endParaRPr lang="zh-CN" altLang="en-US"/>
           </a:p>
@@ -3042,7 +3052,7 @@
           <a:p>
             <a:fld id="{530820CF-B880-4189-942D-D702A7CBA730}" type="datetimeFigureOut">
               <a:rPr lang="zh-CN" altLang="en-US" smtClean="0"/>
-              <a:t>2015/6/2</a:t>
+              <a:t>2015/6/3</a:t>
             </a:fld>
             <a:endParaRPr lang="zh-CN" altLang="en-US"/>
           </a:p>
@@ -3214,7 +3224,7 @@
           <a:p>
             <a:fld id="{530820CF-B880-4189-942D-D702A7CBA730}" type="datetimeFigureOut">
               <a:rPr lang="zh-CN" altLang="en-US" smtClean="0"/>
-              <a:t>2015/6/2</a:t>
+              <a:t>2015/6/3</a:t>
             </a:fld>
             <a:endParaRPr lang="zh-CN" altLang="en-US"/>
           </a:p>
@@ -3389,7 +3399,7 @@
           <a:p>
             <a:fld id="{530820CF-B880-4189-942D-D702A7CBA730}" type="datetimeFigureOut">
               <a:rPr lang="zh-CN" altLang="en-US" smtClean="0"/>
-              <a:t>2015/6/2</a:t>
+              <a:t>2015/6/3</a:t>
             </a:fld>
             <a:endParaRPr lang="zh-CN" altLang="en-US"/>
           </a:p>
@@ -3554,7 +3564,7 @@
           <a:p>
             <a:fld id="{530820CF-B880-4189-942D-D702A7CBA730}" type="datetimeFigureOut">
               <a:rPr lang="zh-CN" altLang="en-US" smtClean="0"/>
-              <a:t>2015/6/2</a:t>
+              <a:t>2015/6/3</a:t>
             </a:fld>
             <a:endParaRPr lang="zh-CN" altLang="en-US"/>
           </a:p>
@@ -3843,7 +3853,7 @@
           <a:p>
             <a:fld id="{530820CF-B880-4189-942D-D702A7CBA730}" type="datetimeFigureOut">
               <a:rPr lang="zh-CN" altLang="en-US" smtClean="0"/>
-              <a:t>2015/6/2</a:t>
+              <a:t>2015/6/3</a:t>
             </a:fld>
             <a:endParaRPr lang="zh-CN" altLang="en-US"/>
           </a:p>
@@ -4133,7 +4143,7 @@
           <a:p>
             <a:fld id="{530820CF-B880-4189-942D-D702A7CBA730}" type="datetimeFigureOut">
               <a:rPr lang="zh-CN" altLang="en-US" smtClean="0"/>
-              <a:t>2015/6/2</a:t>
+              <a:t>2015/6/3</a:t>
             </a:fld>
             <a:endParaRPr lang="zh-CN" altLang="en-US"/>
           </a:p>
@@ -4557,7 +4567,7 @@
           <a:p>
             <a:fld id="{530820CF-B880-4189-942D-D702A7CBA730}" type="datetimeFigureOut">
               <a:rPr lang="zh-CN" altLang="en-US" smtClean="0"/>
-              <a:t>2015/6/2</a:t>
+              <a:t>2015/6/3</a:t>
             </a:fld>
             <a:endParaRPr lang="zh-CN" altLang="en-US"/>
           </a:p>
@@ -4670,7 +4680,7 @@
           <a:p>
             <a:fld id="{530820CF-B880-4189-942D-D702A7CBA730}" type="datetimeFigureOut">
               <a:rPr lang="zh-CN" altLang="en-US" smtClean="0"/>
-              <a:t>2015/6/2</a:t>
+              <a:t>2015/6/3</a:t>
             </a:fld>
             <a:endParaRPr lang="zh-CN" altLang="en-US"/>
           </a:p>
@@ -4760,7 +4770,7 @@
           <a:p>
             <a:fld id="{530820CF-B880-4189-942D-D702A7CBA730}" type="datetimeFigureOut">
               <a:rPr lang="zh-CN" altLang="en-US" smtClean="0"/>
-              <a:t>2015/6/2</a:t>
+              <a:t>2015/6/3</a:t>
             </a:fld>
             <a:endParaRPr lang="zh-CN" altLang="en-US"/>
           </a:p>
@@ -5032,7 +5042,7 @@
           <a:p>
             <a:fld id="{530820CF-B880-4189-942D-D702A7CBA730}" type="datetimeFigureOut">
               <a:rPr lang="zh-CN" altLang="en-US" smtClean="0"/>
-              <a:t>2015/6/2</a:t>
+              <a:t>2015/6/3</a:t>
             </a:fld>
             <a:endParaRPr lang="zh-CN" altLang="en-US"/>
           </a:p>
@@ -5280,7 +5290,7 @@
           <a:p>
             <a:fld id="{530820CF-B880-4189-942D-D702A7CBA730}" type="datetimeFigureOut">
               <a:rPr lang="zh-CN" altLang="en-US" smtClean="0"/>
-              <a:t>2015/6/2</a:t>
+              <a:t>2015/6/3</a:t>
             </a:fld>
             <a:endParaRPr lang="zh-CN" altLang="en-US"/>
           </a:p>
@@ -5494,7 +5504,7 @@
           <a:p>
             <a:fld id="{530820CF-B880-4189-942D-D702A7CBA730}" type="datetimeFigureOut">
               <a:rPr lang="zh-CN" altLang="en-US" smtClean="0"/>
-              <a:t>2015/6/2</a:t>
+              <a:t>2015/6/3</a:t>
             </a:fld>
             <a:endParaRPr lang="zh-CN" altLang="en-US"/>
           </a:p>
@@ -8439,15 +8449,57 @@
             </a:r>
           </a:p>
           <a:p>
-            <a:r>
-              <a:rPr lang="zh-CN" altLang="en-US" dirty="0" smtClean="0"/>
-              <a:t>具体的映射配置文件：</a:t>
+            <a:pPr lvl="1"/>
+            <a:r>
+              <a:rPr lang="zh-CN" altLang="en-US" dirty="0"/>
+              <a:t>系统的核心设置，包含数据源和事务管理器等设置和属性</a:t>
+            </a:r>
+            <a:r>
+              <a:rPr lang="zh-CN" altLang="en-US" dirty="0" smtClean="0"/>
+              <a:t>信息。</a:t>
+            </a:r>
+            <a:endParaRPr lang="en-US" altLang="zh-CN" dirty="0" smtClean="0"/>
+          </a:p>
+          <a:p>
+            <a:pPr lvl="1"/>
+            <a:endParaRPr lang="en-US" altLang="zh-CN" dirty="0" smtClean="0"/>
+          </a:p>
+          <a:p>
+            <a:r>
+              <a:rPr lang="zh-CN" altLang="en-US" dirty="0" smtClean="0"/>
+              <a:t>具体的映射</a:t>
+            </a:r>
+            <a:r>
+              <a:rPr lang="zh-CN" altLang="en-US" dirty="0" smtClean="0"/>
+              <a:t>配置文件：</a:t>
             </a:r>
             <a:r>
               <a:rPr lang="en-US" altLang="zh-CN" dirty="0" smtClean="0"/>
               <a:t>FooMapper.xml</a:t>
             </a:r>
-            <a:endParaRPr lang="zh-CN" altLang="en-US" dirty="0"/>
+          </a:p>
+          <a:p>
+            <a:pPr lvl="1"/>
+            <a:r>
+              <a:rPr lang="en-US" altLang="zh-CN" dirty="0"/>
+              <a:t> </a:t>
+            </a:r>
+            <a:r>
+              <a:rPr lang="zh-CN" altLang="en-US" dirty="0" smtClean="0"/>
+              <a:t>定义</a:t>
+            </a:r>
+            <a:r>
+              <a:rPr lang="zh-CN" altLang="en-US" dirty="0"/>
+              <a:t>具体</a:t>
+            </a:r>
+            <a:r>
+              <a:rPr lang="en-US" altLang="zh-CN" dirty="0"/>
+              <a:t>SQL</a:t>
+            </a:r>
+            <a:r>
+              <a:rPr lang="zh-CN" altLang="en-US" dirty="0"/>
+              <a:t>映射语句的文件</a:t>
+            </a:r>
           </a:p>
         </p:txBody>
       </p:sp>
@@ -8500,10 +8552,17 @@
         </p:nvSpPr>
         <p:spPr/>
         <p:txBody>
-          <a:bodyPr/>
+          <a:bodyPr>
+            <a:normAutofit/>
+          </a:bodyPr>
           <a:lstStyle/>
           <a:p>
-            <a:endParaRPr lang="zh-CN" altLang="en-US"/>
+            <a:pPr algn="l"/>
+            <a:r>
+              <a:rPr lang="en-US" altLang="zh-CN" dirty="0" smtClean="0"/>
+              <a:t>mybatis-config.xml</a:t>
+            </a:r>
+            <a:endParaRPr lang="zh-CN" altLang="en-US" dirty="0"/>
           </a:p>
         </p:txBody>
       </p:sp>
@@ -8517,12 +8576,303 @@
             <p:ph idx="1"/>
           </p:nvPr>
         </p:nvSpPr>
-        <p:spPr/>
-        <p:txBody>
-          <a:bodyPr/>
+        <p:spPr>
+          <a:xfrm>
+            <a:off x="457200" y="1600201"/>
+            <a:ext cx="8229600" cy="4421088"/>
+          </a:xfrm>
+        </p:spPr>
+        <p:txBody>
+          <a:bodyPr>
+            <a:normAutofit fontScale="77500" lnSpcReduction="20000"/>
+          </a:bodyPr>
           <a:lstStyle/>
           <a:p>
-            <a:endParaRPr lang="zh-CN" altLang="en-US"/>
+            <a:r>
+              <a:rPr lang="en-US" altLang="zh-CN" dirty="0"/>
+              <a:t>configuration </a:t>
+            </a:r>
+            <a:r>
+              <a:rPr lang="zh-CN" altLang="en-US" dirty="0"/>
+              <a:t>配置</a:t>
+            </a:r>
+          </a:p>
+          <a:p>
+            <a:pPr lvl="1"/>
+            <a:r>
+              <a:rPr lang="en-US" altLang="zh-CN" dirty="0"/>
+              <a:t>properties </a:t>
+            </a:r>
+            <a:r>
+              <a:rPr lang="zh-CN" altLang="en-US" dirty="0"/>
+              <a:t>属性</a:t>
+            </a:r>
+          </a:p>
+          <a:p>
+            <a:pPr lvl="1"/>
+            <a:r>
+              <a:rPr lang="en-US" altLang="zh-CN" dirty="0"/>
+              <a:t>settings </a:t>
+            </a:r>
+            <a:r>
+              <a:rPr lang="zh-CN" altLang="en-US" dirty="0" smtClean="0"/>
+              <a:t>设置，它们</a:t>
+            </a:r>
+            <a:r>
+              <a:rPr lang="zh-CN" altLang="en-US" dirty="0"/>
+              <a:t>会改变 </a:t>
+            </a:r>
+            <a:r>
+              <a:rPr lang="en-US" altLang="zh-CN" dirty="0" err="1"/>
+              <a:t>MyBatis</a:t>
+            </a:r>
+            <a:r>
+              <a:rPr lang="en-US" altLang="zh-CN" dirty="0"/>
+              <a:t> </a:t>
+            </a:r>
+            <a:r>
+              <a:rPr lang="zh-CN" altLang="en-US" dirty="0"/>
+              <a:t>的运行时行为</a:t>
+            </a:r>
+          </a:p>
+          <a:p>
+            <a:pPr lvl="1"/>
+            <a:r>
+              <a:rPr lang="en-US" altLang="zh-CN" dirty="0" err="1" smtClean="0"/>
+              <a:t>typeAliases</a:t>
+            </a:r>
+            <a:r>
+              <a:rPr lang="en-US" altLang="zh-CN" dirty="0" smtClean="0"/>
+              <a:t> </a:t>
+            </a:r>
+            <a:r>
+              <a:rPr lang="zh-CN" altLang="en-US" dirty="0" smtClean="0"/>
+              <a:t>类型</a:t>
+            </a:r>
+            <a:r>
+              <a:rPr lang="zh-CN" altLang="en-US" dirty="0"/>
+              <a:t>别名是为 </a:t>
+            </a:r>
+            <a:r>
+              <a:rPr lang="en-US" altLang="zh-CN" dirty="0"/>
+              <a:t>Java </a:t>
+            </a:r>
+            <a:r>
+              <a:rPr lang="zh-CN" altLang="en-US" dirty="0"/>
+              <a:t>类型设置一个短的名字。</a:t>
+            </a:r>
+            <a:r>
+              <a:rPr lang="en-US" altLang="zh-CN" dirty="0" err="1" smtClean="0"/>
+              <a:t>typeHandlers</a:t>
+            </a:r>
+            <a:r>
+              <a:rPr lang="en-US" altLang="zh-CN" dirty="0" smtClean="0"/>
+              <a:t> </a:t>
+            </a:r>
+            <a:r>
+              <a:rPr lang="zh-CN" altLang="en-US" dirty="0"/>
+              <a:t>类型处理器</a:t>
+            </a:r>
+          </a:p>
+          <a:p>
+            <a:pPr lvl="1"/>
+            <a:r>
+              <a:rPr lang="en-US" altLang="zh-CN" dirty="0" err="1"/>
+              <a:t>objectFactory</a:t>
+            </a:r>
+            <a:r>
+              <a:rPr lang="en-US" altLang="zh-CN" dirty="0"/>
+              <a:t> </a:t>
+            </a:r>
+            <a:r>
+              <a:rPr lang="zh-CN" altLang="en-US" dirty="0" smtClean="0"/>
+              <a:t>对象工厂</a:t>
+            </a:r>
+            <a:r>
+              <a:rPr lang="en-US" altLang="zh-CN" dirty="0" smtClean="0"/>
+              <a:t>(</a:t>
+            </a:r>
+            <a:r>
+              <a:rPr lang="zh-CN" altLang="en-US" dirty="0"/>
+              <a:t>创建结果对象的新实例时</a:t>
+            </a:r>
+            <a:r>
+              <a:rPr lang="en-US" altLang="zh-CN" dirty="0" smtClean="0"/>
+              <a:t>)</a:t>
+            </a:r>
+            <a:endParaRPr lang="zh-CN" altLang="en-US" dirty="0" smtClean="0"/>
+          </a:p>
+          <a:p>
+            <a:pPr lvl="1"/>
+            <a:r>
+              <a:rPr lang="en-US" altLang="zh-CN" dirty="0" smtClean="0"/>
+              <a:t>plugins </a:t>
+            </a:r>
+            <a:r>
+              <a:rPr lang="zh-CN" altLang="en-US" dirty="0" smtClean="0"/>
+              <a:t>插件</a:t>
+            </a:r>
+          </a:p>
+          <a:p>
+            <a:pPr lvl="1"/>
+            <a:r>
+              <a:rPr lang="en-US" altLang="zh-CN" dirty="0" smtClean="0"/>
+              <a:t>environments </a:t>
+            </a:r>
+            <a:r>
+              <a:rPr lang="zh-CN" altLang="en-US" dirty="0"/>
+              <a:t>环境</a:t>
+            </a:r>
+          </a:p>
+          <a:p>
+            <a:pPr lvl="2"/>
+            <a:r>
+              <a:rPr lang="en-US" altLang="zh-CN" dirty="0"/>
+              <a:t>environment </a:t>
+            </a:r>
+            <a:r>
+              <a:rPr lang="zh-CN" altLang="en-US" dirty="0"/>
+              <a:t>环境变量</a:t>
+            </a:r>
+          </a:p>
+          <a:p>
+            <a:pPr lvl="3"/>
+            <a:r>
+              <a:rPr lang="en-US" altLang="zh-CN" dirty="0" err="1"/>
+              <a:t>transactionManager</a:t>
+            </a:r>
+            <a:r>
+              <a:rPr lang="en-US" altLang="zh-CN" dirty="0"/>
+              <a:t> </a:t>
+            </a:r>
+            <a:r>
+              <a:rPr lang="zh-CN" altLang="en-US" dirty="0"/>
+              <a:t>事务管理器</a:t>
+            </a:r>
+          </a:p>
+          <a:p>
+            <a:pPr lvl="3"/>
+            <a:r>
+              <a:rPr lang="en-US" altLang="zh-CN" dirty="0" err="1"/>
+              <a:t>dataSource</a:t>
+            </a:r>
+            <a:r>
+              <a:rPr lang="en-US" altLang="zh-CN" dirty="0"/>
+              <a:t> </a:t>
+            </a:r>
+            <a:r>
+              <a:rPr lang="zh-CN" altLang="en-US" dirty="0"/>
+              <a:t>数据源</a:t>
+            </a:r>
+          </a:p>
+          <a:p>
+            <a:pPr lvl="1"/>
+            <a:r>
+              <a:rPr lang="en-US" altLang="zh-CN" dirty="0" err="1"/>
+              <a:t>databaseIdProvider</a:t>
+            </a:r>
+            <a:r>
+              <a:rPr lang="en-US" altLang="zh-CN" dirty="0"/>
+              <a:t> </a:t>
+            </a:r>
+            <a:r>
+              <a:rPr lang="zh-CN" altLang="en-US" dirty="0"/>
+              <a:t>数据库厂商标识</a:t>
+            </a:r>
+          </a:p>
+          <a:p>
+            <a:pPr lvl="1"/>
+            <a:r>
+              <a:rPr lang="en-US" altLang="zh-CN" dirty="0"/>
+              <a:t>mappers </a:t>
+            </a:r>
+            <a:r>
+              <a:rPr lang="zh-CN" altLang="en-US" dirty="0"/>
+              <a:t>映射</a:t>
+            </a:r>
+            <a:r>
+              <a:rPr lang="zh-CN" altLang="en-US" dirty="0" smtClean="0"/>
+              <a:t>器</a:t>
+            </a:r>
+            <a:endParaRPr lang="en-US" altLang="zh-CN" dirty="0" smtClean="0"/>
+          </a:p>
+        </p:txBody>
+      </p:sp>
+      <p:sp>
+        <p:nvSpPr>
+          <p:cNvPr id="4" name="TextBox 3"/>
+          <p:cNvSpPr txBox="1"/>
+          <p:nvPr/>
+        </p:nvSpPr>
+        <p:spPr>
+          <a:xfrm>
+            <a:off x="755576" y="5914431"/>
+            <a:ext cx="7488832" cy="646331"/>
+          </a:xfrm>
+          <a:prstGeom prst="rect">
+            <a:avLst/>
+          </a:prstGeom>
+          <a:noFill/>
+        </p:spPr>
+        <p:txBody>
+          <a:bodyPr wrap="square" rtlCol="0">
+            <a:spAutoFit/>
+          </a:bodyPr>
+          <a:lstStyle/>
+          <a:p>
+            <a:r>
+              <a:rPr lang="zh-CN" altLang="en-US" b="1" dirty="0" smtClean="0"/>
+              <a:t>注意：</a:t>
+            </a:r>
+            <a:r>
+              <a:rPr lang="zh-CN" altLang="en-US" dirty="0" smtClean="0"/>
+              <a:t>必须按照以上顺序来配置。（</a:t>
+            </a:r>
+            <a:r>
+              <a:rPr lang="en-US" altLang="zh-CN" dirty="0" err="1" smtClean="0"/>
+              <a:t>Mybatis</a:t>
+            </a:r>
+            <a:r>
+              <a:rPr lang="zh-CN" altLang="en-US" dirty="0" smtClean="0"/>
+              <a:t>是用</a:t>
+            </a:r>
+            <a:r>
+              <a:rPr lang="en-US" altLang="zh-CN" dirty="0"/>
+              <a:t>DTD</a:t>
+            </a:r>
+            <a:r>
+              <a:rPr lang="zh-CN" altLang="en-US" dirty="0"/>
+              <a:t>作为</a:t>
+            </a:r>
+            <a:r>
+              <a:rPr lang="en-US" altLang="zh-CN" dirty="0"/>
+              <a:t>XML</a:t>
+            </a:r>
+            <a:r>
+              <a:rPr lang="zh-CN" altLang="en-US" dirty="0"/>
+              <a:t>的校验文档，而</a:t>
+            </a:r>
+            <a:r>
+              <a:rPr lang="en-US" altLang="zh-CN" dirty="0"/>
+              <a:t>XML</a:t>
+            </a:r>
+            <a:r>
+              <a:rPr lang="zh-CN" altLang="en-US" dirty="0"/>
+              <a:t>规范中</a:t>
+            </a:r>
+            <a:r>
+              <a:rPr lang="en-US" altLang="zh-CN" dirty="0"/>
+              <a:t>DTD</a:t>
+            </a:r>
+            <a:r>
+              <a:rPr lang="zh-CN" altLang="en-US" dirty="0"/>
+              <a:t>顺序是有严格要求的</a:t>
+            </a:r>
+            <a:r>
+              <a:rPr lang="zh-CN" altLang="en-US" dirty="0" smtClean="0"/>
+              <a:t>。）</a:t>
+            </a:r>
+            <a:endParaRPr lang="zh-CN" altLang="en-US" dirty="0"/>
           </a:p>
         </p:txBody>
       </p:sp>
@@ -8575,145 +8925,105 @@
         </p:nvSpPr>
         <p:spPr/>
         <p:txBody>
-          <a:bodyPr/>
-          <a:lstStyle/>
-          <a:p>
-            <a:pPr algn="l"/>
-            <a:r>
-              <a:rPr lang="zh-CN" altLang="en-US" dirty="0" smtClean="0"/>
-              <a:t>官方网站</a:t>
-            </a:r>
-            <a:endParaRPr lang="zh-CN" altLang="en-US" dirty="0"/>
-          </a:p>
-        </p:txBody>
-      </p:sp>
-      <p:sp>
-        <p:nvSpPr>
-          <p:cNvPr id="3" name="内容占位符 2"/>
-          <p:cNvSpPr>
-            <a:spLocks noGrp="1"/>
-          </p:cNvSpPr>
-          <p:nvPr>
-            <p:ph idx="1"/>
-          </p:nvPr>
-        </p:nvSpPr>
-        <p:spPr/>
-        <p:txBody>
           <a:bodyPr>
-            <a:normAutofit fontScale="92500"/>
+            <a:normAutofit/>
           </a:bodyPr>
           <a:lstStyle/>
           <a:p>
-            <a:r>
-              <a:rPr lang="en-US" altLang="zh-CN" b="1" dirty="0" err="1" smtClean="0"/>
+            <a:pPr algn="l"/>
+            <a:r>
+              <a:rPr lang="en-US" altLang="zh-CN" dirty="0" smtClean="0"/>
+              <a:t>mybatis-config.xml</a:t>
+            </a:r>
+            <a:endParaRPr lang="zh-CN" altLang="en-US" dirty="0"/>
+          </a:p>
+        </p:txBody>
+      </p:sp>
+      <p:sp>
+        <p:nvSpPr>
+          <p:cNvPr id="3" name="内容占位符 2"/>
+          <p:cNvSpPr>
+            <a:spLocks noGrp="1"/>
+          </p:cNvSpPr>
+          <p:nvPr>
+            <p:ph idx="1"/>
+          </p:nvPr>
+        </p:nvSpPr>
+        <p:spPr>
+          <a:xfrm>
+            <a:off x="457200" y="1600201"/>
+            <a:ext cx="8229600" cy="4421088"/>
+          </a:xfrm>
+        </p:spPr>
+        <p:txBody>
+          <a:bodyPr>
+            <a:normAutofit/>
+          </a:bodyPr>
+          <a:lstStyle/>
+          <a:p>
+            <a:r>
+              <a:rPr lang="en-US" altLang="zh-CN" dirty="0" smtClean="0"/>
+              <a:t>settings</a:t>
+            </a:r>
+          </a:p>
+          <a:p>
+            <a:pPr lvl="1"/>
+            <a:r>
+              <a:rPr lang="zh-CN" altLang="en-US" dirty="0"/>
+              <a:t>这是 </a:t>
+            </a:r>
+            <a:r>
+              <a:rPr lang="en-US" altLang="zh-CN" dirty="0" err="1"/>
               <a:t>MyBatis</a:t>
             </a:r>
             <a:r>
-              <a:rPr lang="zh-CN" altLang="en-US" b="1" dirty="0"/>
-              <a:t>源</a:t>
-            </a:r>
-            <a:r>
-              <a:rPr lang="zh-CN" altLang="en-US" b="1" dirty="0" smtClean="0"/>
-              <a:t>代码</a:t>
-            </a:r>
-            <a:endParaRPr lang="en-US" altLang="zh-CN" b="1" dirty="0"/>
-          </a:p>
-          <a:p>
-            <a:pPr marL="0" indent="0">
-              <a:buNone/>
-            </a:pPr>
-            <a:r>
               <a:rPr lang="en-US" altLang="zh-CN" dirty="0"/>
-              <a:t>https://github.com/mybatis/mybatis-3</a:t>
-            </a:r>
-          </a:p>
-          <a:p>
-            <a:r>
-              <a:rPr lang="en-US" altLang="zh-CN" b="1" dirty="0" err="1" smtClean="0"/>
+              <a:t> </a:t>
+            </a:r>
+            <a:r>
+              <a:rPr lang="zh-CN" altLang="en-US" dirty="0"/>
+              <a:t>中极为重要的调整设置，它们会改变 </a:t>
+            </a:r>
+            <a:r>
+              <a:rPr lang="en-US" altLang="zh-CN" dirty="0" err="1"/>
               <a:t>MyBatis</a:t>
             </a:r>
             <a:r>
-              <a:rPr lang="zh-CN" altLang="en-US" b="1" dirty="0" smtClean="0"/>
-              <a:t>官方文档</a:t>
-            </a:r>
-            <a:endParaRPr lang="en-US" altLang="zh-CN" b="1" dirty="0"/>
-          </a:p>
-          <a:p>
-            <a:pPr marL="0" indent="0">
-              <a:buNone/>
-            </a:pPr>
-            <a:r>
               <a:rPr lang="en-US" altLang="zh-CN" dirty="0"/>
-              <a:t>http://mybatis.github.io/mybatis-3/zh/index.html</a:t>
-            </a:r>
-          </a:p>
-          <a:p>
-            <a:r>
-              <a:rPr lang="en-US" altLang="zh-CN" b="1" dirty="0" err="1" smtClean="0"/>
-              <a:t>MyBatis</a:t>
-            </a:r>
-            <a:r>
-              <a:rPr lang="en-US" altLang="zh-CN" b="1" dirty="0" smtClean="0"/>
-              <a:t>-Spring</a:t>
-            </a:r>
-            <a:r>
-              <a:rPr lang="zh-CN" altLang="en-US" b="1" dirty="0" smtClean="0"/>
-              <a:t>官方文档</a:t>
-            </a:r>
-            <a:endParaRPr lang="en-US" altLang="zh-CN" b="1" dirty="0"/>
-          </a:p>
-          <a:p>
-            <a:pPr marL="0" indent="0">
-              <a:buNone/>
-            </a:pPr>
+              <a:t> </a:t>
+            </a:r>
+            <a:r>
+              <a:rPr lang="zh-CN" altLang="en-US" dirty="0"/>
+              <a:t>的运行时行为</a:t>
+            </a:r>
+            <a:r>
+              <a:rPr lang="zh-CN" altLang="en-US" dirty="0" smtClean="0"/>
+              <a:t>。</a:t>
+            </a:r>
+            <a:endParaRPr lang="en-US" altLang="zh-CN" dirty="0" smtClean="0"/>
+          </a:p>
+          <a:p>
+            <a:pPr lvl="1"/>
+            <a:r>
+              <a:rPr lang="en-US" altLang="zh-CN" dirty="0" err="1" smtClean="0"/>
+              <a:t>lazyLoadingEnabled</a:t>
+            </a:r>
             <a:r>
               <a:rPr lang="en-US" altLang="zh-CN" dirty="0" smtClean="0"/>
-              <a:t>http</a:t>
-            </a:r>
-            <a:r>
-              <a:rPr lang="en-US" altLang="zh-CN" dirty="0"/>
-              <a:t>://</a:t>
-            </a:r>
-            <a:r>
-              <a:rPr lang="en-US" altLang="zh-CN" dirty="0" smtClean="0"/>
-              <a:t>mybatis.github.io/spring/zh/index.html</a:t>
-            </a:r>
-          </a:p>
-          <a:p>
-            <a:r>
-              <a:rPr lang="en-US" altLang="zh-CN" b="1" dirty="0" err="1"/>
-              <a:t>MyBatis</a:t>
-            </a:r>
-            <a:r>
-              <a:rPr lang="en-US" altLang="zh-CN" b="1" dirty="0"/>
-              <a:t> Generator (MBG</a:t>
-            </a:r>
-            <a:r>
-              <a:rPr lang="en-US" altLang="zh-CN" b="1" dirty="0" smtClean="0"/>
-              <a:t>)</a:t>
-            </a:r>
-            <a:r>
-              <a:rPr lang="zh-CN" altLang="en-US" b="1" dirty="0" smtClean="0"/>
-              <a:t>代码生成器</a:t>
+              <a:t>=false </a:t>
+            </a:r>
+            <a:r>
+              <a:rPr lang="zh-CN" altLang="en-US" dirty="0" smtClean="0"/>
+              <a:t>延时加载 </a:t>
             </a:r>
             <a:endParaRPr lang="en-US" altLang="zh-CN" dirty="0" smtClean="0"/>
-          </a:p>
-          <a:p>
-            <a:pPr marL="0" indent="0">
-              <a:buNone/>
-            </a:pPr>
-            <a:r>
-              <a:rPr lang="en-US" altLang="zh-CN" dirty="0"/>
-              <a:t>https://github.com/mybatis/generator</a:t>
-            </a:r>
-            <a:endParaRPr lang="zh-CN" altLang="en-US" dirty="0"/>
           </a:p>
         </p:txBody>
       </p:sp>
     </p:spTree>
     <p:extLst>
       <p:ext uri="{BB962C8B-B14F-4D97-AF65-F5344CB8AC3E}">
-        <p14:creationId xmlns:p14="http://schemas.microsoft.com/office/powerpoint/2010/main" val="1814483423"/>
+        <p14:creationId xmlns:p14="http://schemas.microsoft.com/office/powerpoint/2010/main" val="2802361067"/>
       </p:ext>
     </p:extLst>
   </p:cSld>
@@ -8754,31 +9064,246 @@
             <a:spLocks noGrp="1"/>
           </p:cNvSpPr>
           <p:nvPr>
-            <p:ph type="title" idx="4294967295"/>
-          </p:nvPr>
-        </p:nvSpPr>
-        <p:spPr>
+            <p:ph type="title"/>
+          </p:nvPr>
+        </p:nvSpPr>
+        <p:spPr/>
+        <p:txBody>
+          <a:bodyPr>
+            <a:normAutofit/>
+          </a:bodyPr>
+          <a:lstStyle/>
+          <a:p>
+            <a:pPr algn="l"/>
+            <a:r>
+              <a:rPr lang="en-US" altLang="zh-CN" dirty="0" smtClean="0"/>
+              <a:t>mybatis-config.xml</a:t>
+            </a:r>
+            <a:endParaRPr lang="zh-CN" altLang="en-US" dirty="0"/>
+          </a:p>
+        </p:txBody>
+      </p:sp>
+      <p:pic>
+        <p:nvPicPr>
+          <p:cNvPr id="2050" name="Picture 2"/>
+          <p:cNvPicPr>
+            <a:picLocks noGrp="1" noChangeAspect="1" noChangeArrowheads="1"/>
+          </p:cNvPicPr>
+          <p:nvPr>
+            <p:ph idx="1"/>
+          </p:nvPr>
+        </p:nvPicPr>
+        <p:blipFill>
+          <a:blip r:embed="rId2">
+            <a:extLst>
+              <a:ext uri="{28A0092B-C50C-407E-A947-70E740481C1C}">
+                <a14:useLocalDpi xmlns:a14="http://schemas.microsoft.com/office/drawing/2010/main" val="0"/>
+              </a:ext>
+            </a:extLst>
+          </a:blip>
+          <a:srcRect/>
+          <a:stretch>
+            <a:fillRect/>
+          </a:stretch>
+        </p:blipFill>
+        <p:spPr bwMode="auto">
           <a:xfrm>
-            <a:off x="395536" y="2492896"/>
-            <a:ext cx="8229600" cy="1143000"/>
+            <a:off x="467544" y="1556792"/>
+            <a:ext cx="8155382" cy="4464496"/>
           </a:xfrm>
+          <a:prstGeom prst="rect">
+            <a:avLst/>
+          </a:prstGeom>
+          <a:noFill/>
+          <a:ln>
+            <a:noFill/>
+          </a:ln>
+          <a:extLst>
+            <a:ext uri="{909E8E84-426E-40DD-AFC4-6F175D3DCCD1}">
+              <a14:hiddenFill xmlns:a14="http://schemas.microsoft.com/office/drawing/2010/main">
+                <a:solidFill>
+                  <a:schemeClr val="accent1"/>
+                </a:solidFill>
+              </a14:hiddenFill>
+            </a:ext>
+            <a:ext uri="{91240B29-F687-4F45-9708-019B960494DF}">
+              <a14:hiddenLine xmlns:a14="http://schemas.microsoft.com/office/drawing/2010/main" w="9525">
+                <a:solidFill>
+                  <a:schemeClr val="tx1"/>
+                </a:solidFill>
+                <a:miter lim="800000"/>
+                <a:headEnd/>
+                <a:tailEnd/>
+              </a14:hiddenLine>
+            </a:ext>
+          </a:extLst>
         </p:spPr>
-        <p:txBody>
-          <a:bodyPr/>
-          <a:lstStyle/>
-          <a:p>
-            <a:r>
-              <a:rPr lang="en-US" altLang="zh-CN" dirty="0" smtClean="0"/>
-              <a:t>Thanks!</a:t>
-            </a:r>
-            <a:endParaRPr lang="zh-CN" altLang="en-US" dirty="0"/>
-          </a:p>
-        </p:txBody>
-      </p:sp>
+      </p:pic>
     </p:spTree>
     <p:extLst>
       <p:ext uri="{BB962C8B-B14F-4D97-AF65-F5344CB8AC3E}">
-        <p14:creationId xmlns:p14="http://schemas.microsoft.com/office/powerpoint/2010/main" val="424516764"/>
+        <p14:creationId xmlns:p14="http://schemas.microsoft.com/office/powerpoint/2010/main" val="1773379769"/>
+      </p:ext>
+    </p:extLst>
+  </p:cSld>
+  <p:clrMapOvr>
+    <a:masterClrMapping/>
+  </p:clrMapOvr>
+  <p:timing>
+    <p:tnLst>
+      <p:par>
+        <p:cTn id="1" dur="indefinite" restart="never" nodeType="tmRoot"/>
+      </p:par>
+    </p:tnLst>
+  </p:timing>
+</p:sld>
+</file>
+
+<file path=ppt/slides/slide29.xml><?xml version="1.0" encoding="utf-8"?>
+<p:sld xmlns:a="http://schemas.openxmlformats.org/drawingml/2006/main" xmlns:r="http://schemas.openxmlformats.org/officeDocument/2006/relationships" xmlns:p="http://schemas.openxmlformats.org/presentationml/2006/main">
+  <p:cSld>
+    <p:spTree>
+      <p:nvGrpSpPr>
+        <p:cNvPr id="1" name=""/>
+        <p:cNvGrpSpPr/>
+        <p:nvPr/>
+      </p:nvGrpSpPr>
+      <p:grpSpPr>
+        <a:xfrm>
+          <a:off x="0" y="0"/>
+          <a:ext cx="0" cy="0"/>
+          <a:chOff x="0" y="0"/>
+          <a:chExt cx="0" cy="0"/>
+        </a:xfrm>
+      </p:grpSpPr>
+      <p:sp>
+        <p:nvSpPr>
+          <p:cNvPr id="2" name="标题 1"/>
+          <p:cNvSpPr>
+            <a:spLocks noGrp="1"/>
+          </p:cNvSpPr>
+          <p:nvPr>
+            <p:ph type="title"/>
+          </p:nvPr>
+        </p:nvSpPr>
+        <p:spPr/>
+        <p:txBody>
+          <a:bodyPr>
+            <a:normAutofit/>
+          </a:bodyPr>
+          <a:lstStyle/>
+          <a:p>
+            <a:pPr algn="l"/>
+            <a:r>
+              <a:rPr lang="en-US" altLang="zh-CN" dirty="0" smtClean="0"/>
+              <a:t>mybatis-config.xml</a:t>
+            </a:r>
+            <a:endParaRPr lang="zh-CN" altLang="en-US" dirty="0"/>
+          </a:p>
+        </p:txBody>
+      </p:sp>
+      <p:sp>
+        <p:nvSpPr>
+          <p:cNvPr id="3" name="内容占位符 2"/>
+          <p:cNvSpPr>
+            <a:spLocks noGrp="1"/>
+          </p:cNvSpPr>
+          <p:nvPr>
+            <p:ph idx="1"/>
+          </p:nvPr>
+        </p:nvSpPr>
+        <p:spPr/>
+        <p:txBody>
+          <a:bodyPr/>
+          <a:lstStyle/>
+          <a:p>
+            <a:r>
+              <a:rPr lang="en-US" altLang="zh-CN" b="1" dirty="0"/>
+              <a:t>plugins</a:t>
+            </a:r>
+          </a:p>
+          <a:p>
+            <a:r>
+              <a:rPr lang="en-US" altLang="zh-CN" dirty="0" err="1"/>
+              <a:t>MyBatis</a:t>
+            </a:r>
+            <a:r>
+              <a:rPr lang="en-US" altLang="zh-CN" dirty="0"/>
+              <a:t> </a:t>
+            </a:r>
+            <a:r>
+              <a:rPr lang="zh-CN" altLang="en-US" dirty="0"/>
+              <a:t>允许你在已映射语句执行过程中的某一点进行拦截调用</a:t>
+            </a:r>
+            <a:r>
+              <a:rPr lang="zh-CN" altLang="en-US" dirty="0" smtClean="0"/>
+              <a:t>。</a:t>
+            </a:r>
+            <a:endParaRPr lang="en-US" altLang="zh-CN" dirty="0" smtClean="0"/>
+          </a:p>
+          <a:p>
+            <a:endParaRPr lang="zh-CN" altLang="en-US" dirty="0"/>
+          </a:p>
+        </p:txBody>
+      </p:sp>
+      <p:pic>
+        <p:nvPicPr>
+          <p:cNvPr id="3074" name="Picture 2"/>
+          <p:cNvPicPr>
+            <a:picLocks noChangeAspect="1" noChangeArrowheads="1"/>
+          </p:cNvPicPr>
+          <p:nvPr/>
+        </p:nvPicPr>
+        <p:blipFill>
+          <a:blip r:embed="rId2">
+            <a:extLst>
+              <a:ext uri="{28A0092B-C50C-407E-A947-70E740481C1C}">
+                <a14:useLocalDpi xmlns:a14="http://schemas.microsoft.com/office/drawing/2010/main" val="0"/>
+              </a:ext>
+            </a:extLst>
+          </a:blip>
+          <a:srcRect/>
+          <a:stretch>
+            <a:fillRect/>
+          </a:stretch>
+        </p:blipFill>
+        <p:spPr bwMode="auto">
+          <a:xfrm>
+            <a:off x="251520" y="3573016"/>
+            <a:ext cx="8712968" cy="1872208"/>
+          </a:xfrm>
+          <a:prstGeom prst="rect">
+            <a:avLst/>
+          </a:prstGeom>
+          <a:noFill/>
+          <a:ln>
+            <a:noFill/>
+          </a:ln>
+          <a:extLst>
+            <a:ext uri="{909E8E84-426E-40DD-AFC4-6F175D3DCCD1}">
+              <a14:hiddenFill xmlns:a14="http://schemas.microsoft.com/office/drawing/2010/main">
+                <a:solidFill>
+                  <a:schemeClr val="accent1"/>
+                </a:solidFill>
+              </a14:hiddenFill>
+            </a:ext>
+            <a:ext uri="{91240B29-F687-4F45-9708-019B960494DF}">
+              <a14:hiddenLine xmlns:a14="http://schemas.microsoft.com/office/drawing/2010/main" w="9525">
+                <a:solidFill>
+                  <a:schemeClr val="tx1"/>
+                </a:solidFill>
+                <a:miter lim="800000"/>
+                <a:headEnd/>
+                <a:tailEnd/>
+              </a14:hiddenLine>
+            </a:ext>
+          </a:extLst>
+        </p:spPr>
+      </p:pic>
+    </p:spTree>
+    <p:extLst>
+      <p:ext uri="{BB962C8B-B14F-4D97-AF65-F5344CB8AC3E}">
+        <p14:creationId xmlns:p14="http://schemas.microsoft.com/office/powerpoint/2010/main" val="209915981"/>
       </p:ext>
     </p:extLst>
   </p:cSld>
@@ -9119,6 +9644,1352 @@
     <p:extLst>
       <p:ext uri="{BB962C8B-B14F-4D97-AF65-F5344CB8AC3E}">
         <p14:creationId xmlns:p14="http://schemas.microsoft.com/office/powerpoint/2010/main" val="1522457010"/>
+      </p:ext>
+    </p:extLst>
+  </p:cSld>
+  <p:clrMapOvr>
+    <a:masterClrMapping/>
+  </p:clrMapOvr>
+  <p:timing>
+    <p:tnLst>
+      <p:par>
+        <p:cTn id="1" dur="indefinite" restart="never" nodeType="tmRoot"/>
+      </p:par>
+    </p:tnLst>
+  </p:timing>
+</p:sld>
+</file>
+
+<file path=ppt/slides/slide30.xml><?xml version="1.0" encoding="utf-8"?>
+<p:sld xmlns:a="http://schemas.openxmlformats.org/drawingml/2006/main" xmlns:r="http://schemas.openxmlformats.org/officeDocument/2006/relationships" xmlns:p="http://schemas.openxmlformats.org/presentationml/2006/main">
+  <p:cSld>
+    <p:spTree>
+      <p:nvGrpSpPr>
+        <p:cNvPr id="1" name=""/>
+        <p:cNvGrpSpPr/>
+        <p:nvPr/>
+      </p:nvGrpSpPr>
+      <p:grpSpPr>
+        <a:xfrm>
+          <a:off x="0" y="0"/>
+          <a:ext cx="0" cy="0"/>
+          <a:chOff x="0" y="0"/>
+          <a:chExt cx="0" cy="0"/>
+        </a:xfrm>
+      </p:grpSpPr>
+      <p:sp>
+        <p:nvSpPr>
+          <p:cNvPr id="2" name="标题 1"/>
+          <p:cNvSpPr>
+            <a:spLocks noGrp="1"/>
+          </p:cNvSpPr>
+          <p:nvPr>
+            <p:ph type="title"/>
+          </p:nvPr>
+        </p:nvSpPr>
+        <p:spPr/>
+        <p:txBody>
+          <a:bodyPr>
+            <a:normAutofit/>
+          </a:bodyPr>
+          <a:lstStyle/>
+          <a:p>
+            <a:pPr algn="l"/>
+            <a:r>
+              <a:rPr lang="en-US" altLang="zh-CN" dirty="0" smtClean="0"/>
+              <a:t>mybatis-config.xml</a:t>
+            </a:r>
+            <a:endParaRPr lang="zh-CN" altLang="en-US" dirty="0"/>
+          </a:p>
+        </p:txBody>
+      </p:sp>
+      <p:sp>
+        <p:nvSpPr>
+          <p:cNvPr id="3" name="内容占位符 2"/>
+          <p:cNvSpPr>
+            <a:spLocks noGrp="1"/>
+          </p:cNvSpPr>
+          <p:nvPr>
+            <p:ph idx="1"/>
+          </p:nvPr>
+        </p:nvSpPr>
+        <p:spPr/>
+        <p:txBody>
+          <a:bodyPr/>
+          <a:lstStyle/>
+          <a:p>
+            <a:r>
+              <a:rPr lang="en-US" altLang="zh-CN" b="1" dirty="0" smtClean="0"/>
+              <a:t>Environments</a:t>
+            </a:r>
+          </a:p>
+          <a:p>
+            <a:r>
+              <a:rPr lang="en-US" altLang="zh-CN" dirty="0"/>
+              <a:t>environment </a:t>
+            </a:r>
+            <a:r>
+              <a:rPr lang="zh-CN" altLang="en-US" dirty="0"/>
+              <a:t>环境变量</a:t>
+            </a:r>
+          </a:p>
+          <a:p>
+            <a:pPr lvl="1"/>
+            <a:r>
+              <a:rPr lang="en-US" altLang="zh-CN" dirty="0" err="1"/>
+              <a:t>transactionManager</a:t>
+            </a:r>
+            <a:r>
+              <a:rPr lang="en-US" altLang="zh-CN" dirty="0"/>
+              <a:t> </a:t>
+            </a:r>
+            <a:r>
+              <a:rPr lang="zh-CN" altLang="en-US" dirty="0"/>
+              <a:t>事务管理器</a:t>
+            </a:r>
+          </a:p>
+          <a:p>
+            <a:pPr lvl="1"/>
+            <a:r>
+              <a:rPr lang="en-US" altLang="zh-CN" dirty="0" err="1"/>
+              <a:t>dataSource</a:t>
+            </a:r>
+            <a:r>
+              <a:rPr lang="en-US" altLang="zh-CN" dirty="0"/>
+              <a:t> </a:t>
+            </a:r>
+            <a:r>
+              <a:rPr lang="zh-CN" altLang="en-US" dirty="0" smtClean="0"/>
+              <a:t>数据源</a:t>
+            </a:r>
+            <a:endParaRPr lang="en-US" altLang="zh-CN" b="1" dirty="0"/>
+          </a:p>
+          <a:p>
+            <a:r>
+              <a:rPr lang="en-US" altLang="zh-CN" dirty="0" err="1"/>
+              <a:t>MyBatis</a:t>
+            </a:r>
+            <a:r>
+              <a:rPr lang="en-US" altLang="zh-CN" dirty="0"/>
+              <a:t> </a:t>
+            </a:r>
+            <a:r>
+              <a:rPr lang="zh-CN" altLang="en-US" dirty="0"/>
+              <a:t>可以配置成适应多种环境</a:t>
+            </a:r>
+            <a:r>
+              <a:rPr lang="zh-CN" altLang="en-US" dirty="0" smtClean="0"/>
+              <a:t>，例如</a:t>
+            </a:r>
+            <a:r>
+              <a:rPr lang="zh-CN" altLang="en-US" dirty="0"/>
+              <a:t>，开发、测试和生产环境需要有不同的</a:t>
+            </a:r>
+            <a:r>
+              <a:rPr lang="zh-CN" altLang="en-US" dirty="0" smtClean="0"/>
+              <a:t>配置。</a:t>
+            </a:r>
+            <a:endParaRPr lang="en-US" altLang="zh-CN" b="1" dirty="0"/>
+          </a:p>
+        </p:txBody>
+      </p:sp>
+    </p:spTree>
+    <p:extLst>
+      <p:ext uri="{BB962C8B-B14F-4D97-AF65-F5344CB8AC3E}">
+        <p14:creationId xmlns:p14="http://schemas.microsoft.com/office/powerpoint/2010/main" val="34951327"/>
+      </p:ext>
+    </p:extLst>
+  </p:cSld>
+  <p:clrMapOvr>
+    <a:masterClrMapping/>
+  </p:clrMapOvr>
+  <p:timing>
+    <p:tnLst>
+      <p:par>
+        <p:cTn id="1" dur="indefinite" restart="never" nodeType="tmRoot"/>
+      </p:par>
+    </p:tnLst>
+  </p:timing>
+</p:sld>
+</file>
+
+<file path=ppt/slides/slide31.xml><?xml version="1.0" encoding="utf-8"?>
+<p:sld xmlns:a="http://schemas.openxmlformats.org/drawingml/2006/main" xmlns:r="http://schemas.openxmlformats.org/officeDocument/2006/relationships" xmlns:p="http://schemas.openxmlformats.org/presentationml/2006/main">
+  <p:cSld>
+    <p:spTree>
+      <p:nvGrpSpPr>
+        <p:cNvPr id="1" name=""/>
+        <p:cNvGrpSpPr/>
+        <p:nvPr/>
+      </p:nvGrpSpPr>
+      <p:grpSpPr>
+        <a:xfrm>
+          <a:off x="0" y="0"/>
+          <a:ext cx="0" cy="0"/>
+          <a:chOff x="0" y="0"/>
+          <a:chExt cx="0" cy="0"/>
+        </a:xfrm>
+      </p:grpSpPr>
+      <p:sp>
+        <p:nvSpPr>
+          <p:cNvPr id="2" name="标题 1"/>
+          <p:cNvSpPr>
+            <a:spLocks noGrp="1"/>
+          </p:cNvSpPr>
+          <p:nvPr>
+            <p:ph type="title"/>
+          </p:nvPr>
+        </p:nvSpPr>
+        <p:spPr/>
+        <p:txBody>
+          <a:bodyPr>
+            <a:normAutofit/>
+          </a:bodyPr>
+          <a:lstStyle/>
+          <a:p>
+            <a:pPr algn="l"/>
+            <a:r>
+              <a:rPr lang="en-US" altLang="zh-CN" dirty="0" smtClean="0"/>
+              <a:t>mybatis-config.xml</a:t>
+            </a:r>
+            <a:endParaRPr lang="zh-CN" altLang="en-US" dirty="0"/>
+          </a:p>
+        </p:txBody>
+      </p:sp>
+      <p:sp>
+        <p:nvSpPr>
+          <p:cNvPr id="3" name="内容占位符 2"/>
+          <p:cNvSpPr>
+            <a:spLocks noGrp="1"/>
+          </p:cNvSpPr>
+          <p:nvPr>
+            <p:ph idx="1"/>
+          </p:nvPr>
+        </p:nvSpPr>
+        <p:spPr/>
+        <p:txBody>
+          <a:bodyPr/>
+          <a:lstStyle/>
+          <a:p>
+            <a:r>
+              <a:rPr lang="en-US" altLang="zh-CN" b="1" dirty="0" smtClean="0"/>
+              <a:t>Mappers</a:t>
+            </a:r>
+          </a:p>
+          <a:p>
+            <a:r>
+              <a:rPr lang="zh-CN" altLang="en-US" dirty="0"/>
+              <a:t>具体的映射</a:t>
+            </a:r>
+            <a:r>
+              <a:rPr lang="zh-CN" altLang="en-US" dirty="0" smtClean="0"/>
+              <a:t>配置文件的位置</a:t>
+            </a:r>
+            <a:endParaRPr lang="en-US" altLang="zh-CN" b="1" dirty="0"/>
+          </a:p>
+          <a:p>
+            <a:r>
+              <a:rPr lang="zh-CN" altLang="en-US" dirty="0"/>
+              <a:t>告诉 </a:t>
+            </a:r>
+            <a:r>
+              <a:rPr lang="en-US" altLang="zh-CN" dirty="0" err="1"/>
+              <a:t>MyBatis</a:t>
+            </a:r>
+            <a:r>
+              <a:rPr lang="en-US" altLang="zh-CN" dirty="0"/>
+              <a:t> </a:t>
+            </a:r>
+            <a:r>
+              <a:rPr lang="zh-CN" altLang="en-US" dirty="0"/>
+              <a:t>到哪里去</a:t>
+            </a:r>
+            <a:r>
+              <a:rPr lang="zh-CN" altLang="en-US" dirty="0" smtClean="0"/>
+              <a:t>找到</a:t>
+            </a:r>
+            <a:r>
+              <a:rPr lang="en-US" altLang="zh-CN" dirty="0"/>
+              <a:t>SQL </a:t>
+            </a:r>
+            <a:r>
+              <a:rPr lang="zh-CN" altLang="en-US" dirty="0"/>
+              <a:t>映射语句</a:t>
+            </a:r>
+            <a:endParaRPr lang="en-US" altLang="zh-CN" b="1" dirty="0"/>
+          </a:p>
+        </p:txBody>
+      </p:sp>
+    </p:spTree>
+    <p:extLst>
+      <p:ext uri="{BB962C8B-B14F-4D97-AF65-F5344CB8AC3E}">
+        <p14:creationId xmlns:p14="http://schemas.microsoft.com/office/powerpoint/2010/main" val="1807341828"/>
+      </p:ext>
+    </p:extLst>
+  </p:cSld>
+  <p:clrMapOvr>
+    <a:masterClrMapping/>
+  </p:clrMapOvr>
+  <p:timing>
+    <p:tnLst>
+      <p:par>
+        <p:cTn id="1" dur="indefinite" restart="never" nodeType="tmRoot"/>
+      </p:par>
+    </p:tnLst>
+  </p:timing>
+</p:sld>
+</file>
+
+<file path=ppt/slides/slide32.xml><?xml version="1.0" encoding="utf-8"?>
+<p:sld xmlns:a="http://schemas.openxmlformats.org/drawingml/2006/main" xmlns:r="http://schemas.openxmlformats.org/officeDocument/2006/relationships" xmlns:p="http://schemas.openxmlformats.org/presentationml/2006/main">
+  <p:cSld>
+    <p:spTree>
+      <p:nvGrpSpPr>
+        <p:cNvPr id="1" name=""/>
+        <p:cNvGrpSpPr/>
+        <p:nvPr/>
+      </p:nvGrpSpPr>
+      <p:grpSpPr>
+        <a:xfrm>
+          <a:off x="0" y="0"/>
+          <a:ext cx="0" cy="0"/>
+          <a:chOff x="0" y="0"/>
+          <a:chExt cx="0" cy="0"/>
+        </a:xfrm>
+      </p:grpSpPr>
+      <p:sp>
+        <p:nvSpPr>
+          <p:cNvPr id="2" name="标题 1"/>
+          <p:cNvSpPr>
+            <a:spLocks noGrp="1"/>
+          </p:cNvSpPr>
+          <p:nvPr>
+            <p:ph type="title"/>
+          </p:nvPr>
+        </p:nvSpPr>
+        <p:spPr/>
+        <p:txBody>
+          <a:bodyPr>
+            <a:normAutofit/>
+          </a:bodyPr>
+          <a:lstStyle/>
+          <a:p>
+            <a:pPr algn="l"/>
+            <a:r>
+              <a:rPr lang="en-US" altLang="zh-CN" dirty="0" smtClean="0"/>
+              <a:t>mybatis-config.xml</a:t>
+            </a:r>
+            <a:endParaRPr lang="zh-CN" altLang="en-US" dirty="0"/>
+          </a:p>
+        </p:txBody>
+      </p:sp>
+      <p:pic>
+        <p:nvPicPr>
+          <p:cNvPr id="4098" name="Picture 2"/>
+          <p:cNvPicPr>
+            <a:picLocks noChangeAspect="1" noChangeArrowheads="1"/>
+          </p:cNvPicPr>
+          <p:nvPr/>
+        </p:nvPicPr>
+        <p:blipFill>
+          <a:blip r:embed="rId2">
+            <a:extLst>
+              <a:ext uri="{28A0092B-C50C-407E-A947-70E740481C1C}">
+                <a14:useLocalDpi xmlns:a14="http://schemas.microsoft.com/office/drawing/2010/main" val="0"/>
+              </a:ext>
+            </a:extLst>
+          </a:blip>
+          <a:srcRect/>
+          <a:stretch>
+            <a:fillRect/>
+          </a:stretch>
+        </p:blipFill>
+        <p:spPr bwMode="auto">
+          <a:xfrm>
+            <a:off x="0" y="1484784"/>
+            <a:ext cx="9143999" cy="4608512"/>
+          </a:xfrm>
+          <a:prstGeom prst="rect">
+            <a:avLst/>
+          </a:prstGeom>
+          <a:noFill/>
+          <a:ln>
+            <a:noFill/>
+          </a:ln>
+          <a:extLst>
+            <a:ext uri="{909E8E84-426E-40DD-AFC4-6F175D3DCCD1}">
+              <a14:hiddenFill xmlns:a14="http://schemas.microsoft.com/office/drawing/2010/main">
+                <a:solidFill>
+                  <a:schemeClr val="accent1"/>
+                </a:solidFill>
+              </a14:hiddenFill>
+            </a:ext>
+            <a:ext uri="{91240B29-F687-4F45-9708-019B960494DF}">
+              <a14:hiddenLine xmlns:a14="http://schemas.microsoft.com/office/drawing/2010/main" w="9525">
+                <a:solidFill>
+                  <a:schemeClr val="tx1"/>
+                </a:solidFill>
+                <a:miter lim="800000"/>
+                <a:headEnd/>
+                <a:tailEnd/>
+              </a14:hiddenLine>
+            </a:ext>
+          </a:extLst>
+        </p:spPr>
+      </p:pic>
+    </p:spTree>
+    <p:extLst>
+      <p:ext uri="{BB962C8B-B14F-4D97-AF65-F5344CB8AC3E}">
+        <p14:creationId xmlns:p14="http://schemas.microsoft.com/office/powerpoint/2010/main" val="2047294670"/>
+      </p:ext>
+    </p:extLst>
+  </p:cSld>
+  <p:clrMapOvr>
+    <a:masterClrMapping/>
+  </p:clrMapOvr>
+  <p:timing>
+    <p:tnLst>
+      <p:par>
+        <p:cTn id="1" dur="indefinite" restart="never" nodeType="tmRoot"/>
+      </p:par>
+    </p:tnLst>
+  </p:timing>
+</p:sld>
+</file>
+
+<file path=ppt/slides/slide33.xml><?xml version="1.0" encoding="utf-8"?>
+<p:sld xmlns:a="http://schemas.openxmlformats.org/drawingml/2006/main" xmlns:r="http://schemas.openxmlformats.org/officeDocument/2006/relationships" xmlns:p="http://schemas.openxmlformats.org/presentationml/2006/main">
+  <p:cSld>
+    <p:spTree>
+      <p:nvGrpSpPr>
+        <p:cNvPr id="1" name=""/>
+        <p:cNvGrpSpPr/>
+        <p:nvPr/>
+      </p:nvGrpSpPr>
+      <p:grpSpPr>
+        <a:xfrm>
+          <a:off x="0" y="0"/>
+          <a:ext cx="0" cy="0"/>
+          <a:chOff x="0" y="0"/>
+          <a:chExt cx="0" cy="0"/>
+        </a:xfrm>
+      </p:grpSpPr>
+      <p:sp>
+        <p:nvSpPr>
+          <p:cNvPr id="2" name="标题 1"/>
+          <p:cNvSpPr>
+            <a:spLocks noGrp="1"/>
+          </p:cNvSpPr>
+          <p:nvPr>
+            <p:ph type="title"/>
+          </p:nvPr>
+        </p:nvSpPr>
+        <p:spPr/>
+        <p:txBody>
+          <a:bodyPr>
+            <a:normAutofit/>
+          </a:bodyPr>
+          <a:lstStyle/>
+          <a:p>
+            <a:pPr algn="l"/>
+            <a:r>
+              <a:rPr lang="en-US" altLang="zh-CN" b="1" dirty="0"/>
+              <a:t>Mapper XML </a:t>
+            </a:r>
+            <a:r>
+              <a:rPr lang="zh-CN" altLang="en-US" b="1" dirty="0"/>
+              <a:t>文件</a:t>
+            </a:r>
+          </a:p>
+        </p:txBody>
+      </p:sp>
+      <p:sp>
+        <p:nvSpPr>
+          <p:cNvPr id="3" name="内容占位符 2"/>
+          <p:cNvSpPr>
+            <a:spLocks noGrp="1"/>
+          </p:cNvSpPr>
+          <p:nvPr>
+            <p:ph idx="1"/>
+          </p:nvPr>
+        </p:nvSpPr>
+        <p:spPr/>
+        <p:txBody>
+          <a:bodyPr>
+            <a:normAutofit fontScale="77500" lnSpcReduction="20000"/>
+          </a:bodyPr>
+          <a:lstStyle/>
+          <a:p>
+            <a:r>
+              <a:rPr lang="en-US" altLang="zh-CN" sz="4400" dirty="0" smtClean="0"/>
+              <a:t>SQL </a:t>
+            </a:r>
+            <a:r>
+              <a:rPr lang="zh-CN" altLang="en-US" sz="4400" dirty="0" smtClean="0"/>
+              <a:t>映射文件结构：</a:t>
+            </a:r>
+            <a:endParaRPr lang="en-US" altLang="zh-CN" sz="4400" dirty="0" smtClean="0"/>
+          </a:p>
+          <a:p>
+            <a:pPr lvl="1"/>
+            <a:r>
+              <a:rPr lang="en-US" altLang="zh-CN" dirty="0" smtClean="0"/>
+              <a:t>cache -  </a:t>
+            </a:r>
+            <a:r>
+              <a:rPr lang="zh-CN" altLang="en-US" dirty="0" smtClean="0"/>
+              <a:t>配置给定命名空间的缓存。 </a:t>
+            </a:r>
+            <a:endParaRPr lang="en-US" altLang="zh-CN" dirty="0" smtClean="0"/>
+          </a:p>
+          <a:p>
+            <a:pPr lvl="1"/>
+            <a:r>
+              <a:rPr lang="en-US" altLang="zh-CN" dirty="0" smtClean="0"/>
+              <a:t>cache-ref –  </a:t>
+            </a:r>
+            <a:r>
+              <a:rPr lang="zh-CN" altLang="en-US" dirty="0" smtClean="0"/>
+              <a:t>从其他命名空间引用缓存配置。 </a:t>
+            </a:r>
+            <a:endParaRPr lang="en-US" altLang="zh-CN" dirty="0" smtClean="0"/>
+          </a:p>
+          <a:p>
+            <a:pPr lvl="1"/>
+            <a:r>
+              <a:rPr lang="en-US" altLang="zh-CN" dirty="0" err="1" smtClean="0"/>
+              <a:t>resultMap</a:t>
+            </a:r>
+            <a:r>
+              <a:rPr lang="en-US" altLang="zh-CN" dirty="0" smtClean="0"/>
+              <a:t>  –  </a:t>
+            </a:r>
+            <a:r>
+              <a:rPr lang="zh-CN" altLang="en-US" dirty="0" smtClean="0"/>
+              <a:t>最复杂，也是最有力量的元素，用来描述如何从数据库结果集中来加载你的对象。 </a:t>
+            </a:r>
+            <a:endParaRPr lang="en-US" altLang="zh-CN" dirty="0" smtClean="0"/>
+          </a:p>
+          <a:p>
+            <a:pPr lvl="1"/>
+            <a:r>
+              <a:rPr lang="zh-CN" altLang="en-US" strike="sngStrike" dirty="0" smtClean="0"/>
+              <a:t> </a:t>
+            </a:r>
+            <a:r>
+              <a:rPr lang="en-US" altLang="zh-CN" strike="sngStrike" dirty="0" err="1" smtClean="0"/>
+              <a:t>parameterMap</a:t>
+            </a:r>
+            <a:r>
+              <a:rPr lang="en-US" altLang="zh-CN" strike="sngStrike" dirty="0" smtClean="0"/>
+              <a:t>  –  </a:t>
+            </a:r>
+            <a:r>
+              <a:rPr lang="zh-CN" altLang="en-US" strike="sngStrike" dirty="0" smtClean="0"/>
+              <a:t>已经被废弃了！老式风格的参数映射。内联参数是首选，这个元素可能在将来被移除。这里不会记录。 </a:t>
+            </a:r>
+            <a:endParaRPr lang="en-US" altLang="zh-CN" strike="sngStrike" dirty="0" smtClean="0"/>
+          </a:p>
+          <a:p>
+            <a:pPr lvl="1"/>
+            <a:r>
+              <a:rPr lang="en-US" altLang="zh-CN" dirty="0" err="1" smtClean="0"/>
+              <a:t>sql</a:t>
+            </a:r>
+            <a:r>
+              <a:rPr lang="en-US" altLang="zh-CN" dirty="0" smtClean="0"/>
+              <a:t> –  </a:t>
+            </a:r>
+            <a:r>
+              <a:rPr lang="zh-CN" altLang="en-US" dirty="0" smtClean="0"/>
+              <a:t>可以重用的 </a:t>
+            </a:r>
+            <a:r>
+              <a:rPr lang="en-US" altLang="zh-CN" dirty="0" smtClean="0"/>
+              <a:t>SQL </a:t>
+            </a:r>
+            <a:r>
+              <a:rPr lang="zh-CN" altLang="en-US" dirty="0" smtClean="0"/>
+              <a:t>块，也可以被其他语句引用。 </a:t>
+            </a:r>
+            <a:endParaRPr lang="en-US" altLang="zh-CN" dirty="0" smtClean="0"/>
+          </a:p>
+          <a:p>
+            <a:pPr lvl="1"/>
+            <a:r>
+              <a:rPr lang="en-US" altLang="zh-CN" dirty="0" smtClean="0"/>
+              <a:t>insert –  </a:t>
+            </a:r>
+            <a:r>
+              <a:rPr lang="zh-CN" altLang="en-US" dirty="0" smtClean="0"/>
+              <a:t>映射插入语句 </a:t>
+            </a:r>
+            <a:endParaRPr lang="en-US" altLang="zh-CN" dirty="0" smtClean="0"/>
+          </a:p>
+          <a:p>
+            <a:pPr lvl="1"/>
+            <a:r>
+              <a:rPr lang="en-US" altLang="zh-CN" dirty="0" smtClean="0"/>
+              <a:t>update –  </a:t>
+            </a:r>
+            <a:r>
+              <a:rPr lang="zh-CN" altLang="en-US" dirty="0" smtClean="0"/>
+              <a:t>映射更新语句 </a:t>
+            </a:r>
+            <a:endParaRPr lang="en-US" altLang="zh-CN" dirty="0" smtClean="0"/>
+          </a:p>
+          <a:p>
+            <a:pPr lvl="1"/>
+            <a:r>
+              <a:rPr lang="en-US" altLang="zh-CN" dirty="0" smtClean="0"/>
+              <a:t>delete –  </a:t>
+            </a:r>
+            <a:r>
+              <a:rPr lang="zh-CN" altLang="en-US" dirty="0" smtClean="0"/>
+              <a:t>映射删除语句 </a:t>
+            </a:r>
+            <a:endParaRPr lang="en-US" altLang="zh-CN" dirty="0" smtClean="0"/>
+          </a:p>
+          <a:p>
+            <a:pPr lvl="1"/>
+            <a:r>
+              <a:rPr lang="en-US" altLang="zh-CN" dirty="0" smtClean="0"/>
+              <a:t>select –  </a:t>
+            </a:r>
+            <a:r>
+              <a:rPr lang="zh-CN" altLang="en-US" dirty="0" smtClean="0"/>
+              <a:t>映射查询语句</a:t>
+            </a:r>
+            <a:endParaRPr lang="zh-CN" altLang="en-US" dirty="0"/>
+          </a:p>
+        </p:txBody>
+      </p:sp>
+    </p:spTree>
+    <p:extLst>
+      <p:ext uri="{BB962C8B-B14F-4D97-AF65-F5344CB8AC3E}">
+        <p14:creationId xmlns:p14="http://schemas.microsoft.com/office/powerpoint/2010/main" val="3911991100"/>
+      </p:ext>
+    </p:extLst>
+  </p:cSld>
+  <p:clrMapOvr>
+    <a:masterClrMapping/>
+  </p:clrMapOvr>
+  <p:timing>
+    <p:tnLst>
+      <p:par>
+        <p:cTn id="1" dur="indefinite" restart="never" nodeType="tmRoot"/>
+      </p:par>
+    </p:tnLst>
+  </p:timing>
+</p:sld>
+</file>
+
+<file path=ppt/slides/slide34.xml><?xml version="1.0" encoding="utf-8"?>
+<p:sld xmlns:a="http://schemas.openxmlformats.org/drawingml/2006/main" xmlns:r="http://schemas.openxmlformats.org/officeDocument/2006/relationships" xmlns:p="http://schemas.openxmlformats.org/presentationml/2006/main">
+  <p:cSld>
+    <p:spTree>
+      <p:nvGrpSpPr>
+        <p:cNvPr id="1" name=""/>
+        <p:cNvGrpSpPr/>
+        <p:nvPr/>
+      </p:nvGrpSpPr>
+      <p:grpSpPr>
+        <a:xfrm>
+          <a:off x="0" y="0"/>
+          <a:ext cx="0" cy="0"/>
+          <a:chOff x="0" y="0"/>
+          <a:chExt cx="0" cy="0"/>
+        </a:xfrm>
+      </p:grpSpPr>
+      <p:sp>
+        <p:nvSpPr>
+          <p:cNvPr id="2" name="标题 1"/>
+          <p:cNvSpPr>
+            <a:spLocks noGrp="1"/>
+          </p:cNvSpPr>
+          <p:nvPr>
+            <p:ph type="title"/>
+          </p:nvPr>
+        </p:nvSpPr>
+        <p:spPr/>
+        <p:txBody>
+          <a:bodyPr/>
+          <a:lstStyle/>
+          <a:p>
+            <a:pPr algn="l"/>
+            <a:r>
+              <a:rPr lang="en-US" altLang="zh-CN" dirty="0" smtClean="0"/>
+              <a:t>namespace</a:t>
+            </a:r>
+            <a:endParaRPr lang="zh-CN" altLang="en-US" dirty="0"/>
+          </a:p>
+        </p:txBody>
+      </p:sp>
+      <p:sp>
+        <p:nvSpPr>
+          <p:cNvPr id="3" name="内容占位符 2"/>
+          <p:cNvSpPr>
+            <a:spLocks noGrp="1"/>
+          </p:cNvSpPr>
+          <p:nvPr>
+            <p:ph idx="1"/>
+          </p:nvPr>
+        </p:nvSpPr>
+        <p:spPr/>
+        <p:txBody>
+          <a:bodyPr>
+            <a:normAutofit/>
+          </a:bodyPr>
+          <a:lstStyle/>
+          <a:p>
+            <a:r>
+              <a:rPr lang="zh-CN" altLang="en-US" dirty="0" smtClean="0"/>
+              <a:t>命名空间是</a:t>
+            </a:r>
+            <a:r>
+              <a:rPr lang="zh-CN" altLang="en-US" dirty="0"/>
+              <a:t>必须的，目的是希望能比只是简单的使用更长的完全限定名</a:t>
+            </a:r>
+            <a:r>
+              <a:rPr lang="zh-CN" altLang="en-US" dirty="0" smtClean="0"/>
+              <a:t>来</a:t>
+            </a:r>
+            <a:r>
+              <a:rPr lang="zh-CN" altLang="en-US" dirty="0"/>
+              <a:t>更进一步</a:t>
+            </a:r>
+            <a:r>
+              <a:rPr lang="zh-CN" altLang="en-US" dirty="0" smtClean="0"/>
+              <a:t>区分语句。</a:t>
+            </a:r>
+            <a:endParaRPr lang="zh-CN" altLang="en-US" dirty="0"/>
+          </a:p>
+          <a:p>
+            <a:r>
+              <a:rPr lang="zh-CN" altLang="en-US" dirty="0" smtClean="0"/>
+              <a:t>使用</a:t>
+            </a:r>
+            <a:r>
+              <a:rPr lang="zh-CN" altLang="en-US" dirty="0"/>
+              <a:t>命名空间，并将它置于合适的 </a:t>
+            </a:r>
+            <a:r>
+              <a:rPr lang="en-US" altLang="zh-CN" dirty="0"/>
+              <a:t>Java </a:t>
+            </a:r>
+            <a:r>
+              <a:rPr lang="zh-CN" altLang="en-US" dirty="0"/>
+              <a:t>包命名空间之下，你将拥有一份更加整洁的代码并提高了 </a:t>
+            </a:r>
+            <a:r>
+              <a:rPr lang="en-US" altLang="zh-CN" dirty="0" err="1"/>
+              <a:t>MyBatis</a:t>
+            </a:r>
+            <a:r>
+              <a:rPr lang="en-US" altLang="zh-CN" dirty="0"/>
+              <a:t> </a:t>
+            </a:r>
+            <a:r>
+              <a:rPr lang="zh-CN" altLang="en-US" dirty="0"/>
+              <a:t>的可用性</a:t>
+            </a:r>
+            <a:r>
+              <a:rPr lang="zh-CN" altLang="en-US" dirty="0" smtClean="0"/>
+              <a:t>。</a:t>
+            </a:r>
+            <a:endParaRPr lang="en-US" altLang="zh-CN" dirty="0" smtClean="0"/>
+          </a:p>
+          <a:p>
+            <a:endParaRPr lang="zh-CN" altLang="en-US" dirty="0" smtClean="0"/>
+          </a:p>
+          <a:p>
+            <a:endParaRPr lang="zh-CN" altLang="en-US" dirty="0"/>
+          </a:p>
+        </p:txBody>
+      </p:sp>
+    </p:spTree>
+    <p:extLst>
+      <p:ext uri="{BB962C8B-B14F-4D97-AF65-F5344CB8AC3E}">
+        <p14:creationId xmlns:p14="http://schemas.microsoft.com/office/powerpoint/2010/main" val="3650754868"/>
+      </p:ext>
+    </p:extLst>
+  </p:cSld>
+  <p:clrMapOvr>
+    <a:masterClrMapping/>
+  </p:clrMapOvr>
+  <p:timing>
+    <p:tnLst>
+      <p:par>
+        <p:cTn id="1" dur="indefinite" restart="never" nodeType="tmRoot"/>
+      </p:par>
+    </p:tnLst>
+  </p:timing>
+</p:sld>
+</file>
+
+<file path=ppt/slides/slide35.xml><?xml version="1.0" encoding="utf-8"?>
+<p:sld xmlns:a="http://schemas.openxmlformats.org/drawingml/2006/main" xmlns:r="http://schemas.openxmlformats.org/officeDocument/2006/relationships" xmlns:p="http://schemas.openxmlformats.org/presentationml/2006/main">
+  <p:cSld>
+    <p:spTree>
+      <p:nvGrpSpPr>
+        <p:cNvPr id="1" name=""/>
+        <p:cNvGrpSpPr/>
+        <p:nvPr/>
+      </p:nvGrpSpPr>
+      <p:grpSpPr>
+        <a:xfrm>
+          <a:off x="0" y="0"/>
+          <a:ext cx="0" cy="0"/>
+          <a:chOff x="0" y="0"/>
+          <a:chExt cx="0" cy="0"/>
+        </a:xfrm>
+      </p:grpSpPr>
+      <p:sp>
+        <p:nvSpPr>
+          <p:cNvPr id="2" name="标题 1"/>
+          <p:cNvSpPr>
+            <a:spLocks noGrp="1"/>
+          </p:cNvSpPr>
+          <p:nvPr>
+            <p:ph type="title"/>
+          </p:nvPr>
+        </p:nvSpPr>
+        <p:spPr/>
+        <p:txBody>
+          <a:bodyPr/>
+          <a:lstStyle/>
+          <a:p>
+            <a:pPr algn="l"/>
+            <a:r>
+              <a:rPr lang="en-US" altLang="zh-CN" dirty="0" smtClean="0"/>
+              <a:t>namespace</a:t>
+            </a:r>
+            <a:endParaRPr lang="zh-CN" altLang="en-US" dirty="0"/>
+          </a:p>
+        </p:txBody>
+      </p:sp>
+      <p:sp>
+        <p:nvSpPr>
+          <p:cNvPr id="3" name="内容占位符 2"/>
+          <p:cNvSpPr>
+            <a:spLocks noGrp="1"/>
+          </p:cNvSpPr>
+          <p:nvPr>
+            <p:ph idx="1"/>
+          </p:nvPr>
+        </p:nvSpPr>
+        <p:spPr/>
+        <p:txBody>
+          <a:bodyPr>
+            <a:normAutofit fontScale="77500" lnSpcReduction="20000"/>
+          </a:bodyPr>
+          <a:lstStyle/>
+          <a:p>
+            <a:r>
+              <a:rPr lang="zh-CN" altLang="en-US" b="1" dirty="0"/>
+              <a:t>命名解析：</a:t>
+            </a:r>
+            <a:r>
+              <a:rPr lang="zh-CN" altLang="en-US" dirty="0"/>
+              <a:t>为了减少输入量，</a:t>
+            </a:r>
+            <a:r>
+              <a:rPr lang="en-US" altLang="zh-CN" dirty="0" err="1"/>
+              <a:t>MyBatis</a:t>
+            </a:r>
+            <a:r>
+              <a:rPr lang="en-US" altLang="zh-CN" dirty="0"/>
+              <a:t> </a:t>
+            </a:r>
+            <a:r>
+              <a:rPr lang="zh-CN" altLang="en-US" dirty="0"/>
+              <a:t>对所有的命名配置元素（包括语句，结果映射，缓存等）使用了如下的命名解析规则。</a:t>
+            </a:r>
+          </a:p>
+          <a:p>
+            <a:r>
+              <a:rPr lang="zh-CN" altLang="en-US" dirty="0"/>
+              <a:t>完全限定名（比如“</a:t>
+            </a:r>
+            <a:r>
+              <a:rPr lang="en-US" altLang="zh-CN" dirty="0" err="1"/>
+              <a:t>com.mypackage.MyMapper.selectAllThings</a:t>
+            </a:r>
+            <a:r>
+              <a:rPr lang="en-US" altLang="zh-CN" dirty="0"/>
+              <a:t>”</a:t>
+            </a:r>
+            <a:r>
+              <a:rPr lang="zh-CN" altLang="en-US" dirty="0"/>
+              <a:t>）将被直接查找并且找到即用。</a:t>
+            </a:r>
+          </a:p>
+          <a:p>
+            <a:r>
+              <a:rPr lang="zh-CN" altLang="en-US" dirty="0"/>
+              <a:t>短名称（比如“</a:t>
+            </a:r>
+            <a:r>
+              <a:rPr lang="en-US" altLang="zh-CN" dirty="0" err="1"/>
+              <a:t>selectAllThings</a:t>
+            </a:r>
+            <a:r>
+              <a:rPr lang="en-US" altLang="zh-CN" dirty="0"/>
+              <a:t>”</a:t>
+            </a:r>
+            <a:r>
+              <a:rPr lang="zh-CN" altLang="en-US" dirty="0"/>
+              <a:t>）如果全局唯一也可以作为一个单独的引用。如果不唯一，有两个或两个以上的相同名称（比如“</a:t>
+            </a:r>
+            <a:r>
+              <a:rPr lang="en-US" altLang="zh-CN" dirty="0" err="1"/>
+              <a:t>com.foo.selectAllThings</a:t>
+            </a:r>
+            <a:r>
+              <a:rPr lang="en-US" altLang="zh-CN" dirty="0"/>
+              <a:t> ”</a:t>
+            </a:r>
+            <a:r>
+              <a:rPr lang="zh-CN" altLang="en-US" dirty="0"/>
+              <a:t>和“</a:t>
+            </a:r>
+            <a:r>
+              <a:rPr lang="en-US" altLang="zh-CN" dirty="0" err="1"/>
+              <a:t>com.bar.selectAllThings</a:t>
+            </a:r>
+            <a:r>
+              <a:rPr lang="en-US" altLang="zh-CN" dirty="0"/>
+              <a:t>”</a:t>
+            </a:r>
+            <a:r>
+              <a:rPr lang="zh-CN" altLang="en-US" dirty="0"/>
+              <a:t>），那么使用时就会收到错误报告说短名称是不唯一的，这种情况下就必须使用完全限定名。</a:t>
+            </a:r>
+          </a:p>
+          <a:p>
+            <a:endParaRPr lang="zh-CN" altLang="en-US" dirty="0" smtClean="0"/>
+          </a:p>
+          <a:p>
+            <a:endParaRPr lang="zh-CN" altLang="en-US" dirty="0"/>
+          </a:p>
+        </p:txBody>
+      </p:sp>
+    </p:spTree>
+    <p:extLst>
+      <p:ext uri="{BB962C8B-B14F-4D97-AF65-F5344CB8AC3E}">
+        <p14:creationId xmlns:p14="http://schemas.microsoft.com/office/powerpoint/2010/main" val="3815119667"/>
+      </p:ext>
+    </p:extLst>
+  </p:cSld>
+  <p:clrMapOvr>
+    <a:masterClrMapping/>
+  </p:clrMapOvr>
+  <p:timing>
+    <p:tnLst>
+      <p:par>
+        <p:cTn id="1" dur="indefinite" restart="never" nodeType="tmRoot"/>
+      </p:par>
+    </p:tnLst>
+  </p:timing>
+</p:sld>
+</file>
+
+<file path=ppt/slides/slide36.xml><?xml version="1.0" encoding="utf-8"?>
+<p:sld xmlns:a="http://schemas.openxmlformats.org/drawingml/2006/main" xmlns:r="http://schemas.openxmlformats.org/officeDocument/2006/relationships" xmlns:p="http://schemas.openxmlformats.org/presentationml/2006/main">
+  <p:cSld>
+    <p:spTree>
+      <p:nvGrpSpPr>
+        <p:cNvPr id="1" name=""/>
+        <p:cNvGrpSpPr/>
+        <p:nvPr/>
+      </p:nvGrpSpPr>
+      <p:grpSpPr>
+        <a:xfrm>
+          <a:off x="0" y="0"/>
+          <a:ext cx="0" cy="0"/>
+          <a:chOff x="0" y="0"/>
+          <a:chExt cx="0" cy="0"/>
+        </a:xfrm>
+      </p:grpSpPr>
+      <p:sp>
+        <p:nvSpPr>
+          <p:cNvPr id="2" name="标题 1"/>
+          <p:cNvSpPr>
+            <a:spLocks noGrp="1"/>
+          </p:cNvSpPr>
+          <p:nvPr>
+            <p:ph type="title"/>
+          </p:nvPr>
+        </p:nvSpPr>
+        <p:spPr/>
+        <p:txBody>
+          <a:bodyPr/>
+          <a:lstStyle/>
+          <a:p>
+            <a:pPr algn="l"/>
+            <a:r>
+              <a:rPr lang="en-US" altLang="zh-CN" dirty="0" smtClean="0"/>
+              <a:t>#{} </a:t>
+            </a:r>
+            <a:r>
+              <a:rPr lang="zh-CN" altLang="en-US" dirty="0" smtClean="0"/>
+              <a:t>和 </a:t>
+            </a:r>
+            <a:r>
+              <a:rPr lang="en-US" altLang="zh-CN" dirty="0" smtClean="0"/>
+              <a:t>${}</a:t>
+            </a:r>
+            <a:endParaRPr lang="zh-CN" altLang="en-US" dirty="0"/>
+          </a:p>
+        </p:txBody>
+      </p:sp>
+      <p:pic>
+        <p:nvPicPr>
+          <p:cNvPr id="5122" name="Picture 2"/>
+          <p:cNvPicPr>
+            <a:picLocks noGrp="1" noChangeAspect="1" noChangeArrowheads="1"/>
+          </p:cNvPicPr>
+          <p:nvPr>
+            <p:ph idx="1"/>
+          </p:nvPr>
+        </p:nvPicPr>
+        <p:blipFill>
+          <a:blip r:embed="rId2">
+            <a:extLst>
+              <a:ext uri="{28A0092B-C50C-407E-A947-70E740481C1C}">
+                <a14:useLocalDpi xmlns:a14="http://schemas.microsoft.com/office/drawing/2010/main" val="0"/>
+              </a:ext>
+            </a:extLst>
+          </a:blip>
+          <a:srcRect/>
+          <a:stretch>
+            <a:fillRect/>
+          </a:stretch>
+        </p:blipFill>
+        <p:spPr bwMode="auto">
+          <a:xfrm>
+            <a:off x="467544" y="1700808"/>
+            <a:ext cx="8229600" cy="1723767"/>
+          </a:xfrm>
+          <a:prstGeom prst="rect">
+            <a:avLst/>
+          </a:prstGeom>
+          <a:noFill/>
+          <a:ln>
+            <a:noFill/>
+          </a:ln>
+          <a:extLst>
+            <a:ext uri="{909E8E84-426E-40DD-AFC4-6F175D3DCCD1}">
+              <a14:hiddenFill xmlns:a14="http://schemas.microsoft.com/office/drawing/2010/main">
+                <a:solidFill>
+                  <a:schemeClr val="accent1"/>
+                </a:solidFill>
+              </a14:hiddenFill>
+            </a:ext>
+            <a:ext uri="{91240B29-F687-4F45-9708-019B960494DF}">
+              <a14:hiddenLine xmlns:a14="http://schemas.microsoft.com/office/drawing/2010/main" w="9525">
+                <a:solidFill>
+                  <a:schemeClr val="tx1"/>
+                </a:solidFill>
+                <a:miter lim="800000"/>
+                <a:headEnd/>
+                <a:tailEnd/>
+              </a14:hiddenLine>
+            </a:ext>
+          </a:extLst>
+        </p:spPr>
+      </p:pic>
+    </p:spTree>
+    <p:extLst>
+      <p:ext uri="{BB962C8B-B14F-4D97-AF65-F5344CB8AC3E}">
+        <p14:creationId xmlns:p14="http://schemas.microsoft.com/office/powerpoint/2010/main" val="3722180894"/>
+      </p:ext>
+    </p:extLst>
+  </p:cSld>
+  <p:clrMapOvr>
+    <a:masterClrMapping/>
+  </p:clrMapOvr>
+  <p:timing>
+    <p:tnLst>
+      <p:par>
+        <p:cTn id="1" dur="indefinite" restart="never" nodeType="tmRoot"/>
+      </p:par>
+    </p:tnLst>
+  </p:timing>
+</p:sld>
+</file>
+
+<file path=ppt/slides/slide37.xml><?xml version="1.0" encoding="utf-8"?>
+<p:sld xmlns:a="http://schemas.openxmlformats.org/drawingml/2006/main" xmlns:r="http://schemas.openxmlformats.org/officeDocument/2006/relationships" xmlns:p="http://schemas.openxmlformats.org/presentationml/2006/main">
+  <p:cSld>
+    <p:spTree>
+      <p:nvGrpSpPr>
+        <p:cNvPr id="1" name=""/>
+        <p:cNvGrpSpPr/>
+        <p:nvPr/>
+      </p:nvGrpSpPr>
+      <p:grpSpPr>
+        <a:xfrm>
+          <a:off x="0" y="0"/>
+          <a:ext cx="0" cy="0"/>
+          <a:chOff x="0" y="0"/>
+          <a:chExt cx="0" cy="0"/>
+        </a:xfrm>
+      </p:grpSpPr>
+      <p:sp>
+        <p:nvSpPr>
+          <p:cNvPr id="2" name="标题 1"/>
+          <p:cNvSpPr>
+            <a:spLocks noGrp="1"/>
+          </p:cNvSpPr>
+          <p:nvPr>
+            <p:ph type="title"/>
+          </p:nvPr>
+        </p:nvSpPr>
+        <p:spPr/>
+        <p:txBody>
+          <a:bodyPr/>
+          <a:lstStyle/>
+          <a:p>
+            <a:pPr algn="l"/>
+            <a:r>
+              <a:rPr lang="zh-CN" altLang="en-US" dirty="0" smtClean="0"/>
+              <a:t>官方网站</a:t>
+            </a:r>
+            <a:endParaRPr lang="zh-CN" altLang="en-US" dirty="0"/>
+          </a:p>
+        </p:txBody>
+      </p:sp>
+      <p:sp>
+        <p:nvSpPr>
+          <p:cNvPr id="3" name="内容占位符 2"/>
+          <p:cNvSpPr>
+            <a:spLocks noGrp="1"/>
+          </p:cNvSpPr>
+          <p:nvPr>
+            <p:ph idx="1"/>
+          </p:nvPr>
+        </p:nvSpPr>
+        <p:spPr/>
+        <p:txBody>
+          <a:bodyPr>
+            <a:normAutofit lnSpcReduction="10000"/>
+          </a:bodyPr>
+          <a:lstStyle/>
+          <a:p>
+            <a:r>
+              <a:rPr lang="en-US" altLang="zh-CN" sz="2600" b="1" dirty="0" err="1" smtClean="0"/>
+              <a:t>MyBatis</a:t>
+            </a:r>
+            <a:r>
+              <a:rPr lang="zh-CN" altLang="en-US" sz="2600" b="1" dirty="0"/>
+              <a:t>源</a:t>
+            </a:r>
+            <a:r>
+              <a:rPr lang="zh-CN" altLang="en-US" sz="2600" b="1" dirty="0" smtClean="0"/>
+              <a:t>代码</a:t>
+            </a:r>
+            <a:endParaRPr lang="en-US" altLang="zh-CN" sz="2600" b="1" dirty="0"/>
+          </a:p>
+          <a:p>
+            <a:pPr marL="0" indent="0">
+              <a:buNone/>
+            </a:pPr>
+            <a:r>
+              <a:rPr lang="en-US" altLang="zh-CN" sz="2600" dirty="0"/>
+              <a:t>https://github.com/mybatis/mybatis-3</a:t>
+            </a:r>
+          </a:p>
+          <a:p>
+            <a:r>
+              <a:rPr lang="en-US" altLang="zh-CN" sz="2600" b="1" dirty="0" err="1" smtClean="0"/>
+              <a:t>MyBatis</a:t>
+            </a:r>
+            <a:r>
+              <a:rPr lang="zh-CN" altLang="en-US" sz="2600" b="1" dirty="0" smtClean="0"/>
+              <a:t>官方文档</a:t>
+            </a:r>
+            <a:endParaRPr lang="en-US" altLang="zh-CN" sz="2600" b="1" dirty="0"/>
+          </a:p>
+          <a:p>
+            <a:pPr marL="0" indent="0">
+              <a:buNone/>
+            </a:pPr>
+            <a:r>
+              <a:rPr lang="en-US" altLang="zh-CN" sz="2600" dirty="0"/>
+              <a:t>http://mybatis.github.io/mybatis-3/zh/index.html</a:t>
+            </a:r>
+          </a:p>
+          <a:p>
+            <a:r>
+              <a:rPr lang="en-US" altLang="zh-CN" sz="2600" b="1" dirty="0" err="1" smtClean="0"/>
+              <a:t>MyBatis</a:t>
+            </a:r>
+            <a:r>
+              <a:rPr lang="en-US" altLang="zh-CN" sz="2600" b="1" dirty="0" smtClean="0"/>
+              <a:t>-Spring</a:t>
+            </a:r>
+            <a:r>
+              <a:rPr lang="zh-CN" altLang="en-US" sz="2600" b="1" dirty="0" smtClean="0"/>
+              <a:t>官方文档</a:t>
+            </a:r>
+            <a:endParaRPr lang="en-US" altLang="zh-CN" sz="2600" b="1" dirty="0"/>
+          </a:p>
+          <a:p>
+            <a:pPr marL="0" indent="0">
+              <a:buNone/>
+            </a:pPr>
+            <a:r>
+              <a:rPr lang="en-US" altLang="zh-CN" sz="2600" dirty="0" smtClean="0"/>
+              <a:t>http</a:t>
+            </a:r>
+            <a:r>
+              <a:rPr lang="en-US" altLang="zh-CN" sz="2600" dirty="0"/>
+              <a:t>://</a:t>
+            </a:r>
+            <a:r>
+              <a:rPr lang="en-US" altLang="zh-CN" sz="2600" dirty="0" smtClean="0"/>
+              <a:t>mybatis.github.io/spring/zh/index.html</a:t>
+            </a:r>
+          </a:p>
+          <a:p>
+            <a:r>
+              <a:rPr lang="en-US" altLang="zh-CN" sz="2600" b="1" dirty="0" err="1"/>
+              <a:t>MyBatis</a:t>
+            </a:r>
+            <a:r>
+              <a:rPr lang="en-US" altLang="zh-CN" sz="2600" b="1" dirty="0"/>
+              <a:t> Generator (MBG</a:t>
+            </a:r>
+            <a:r>
+              <a:rPr lang="en-US" altLang="zh-CN" sz="2600" b="1" dirty="0" smtClean="0"/>
+              <a:t>)</a:t>
+            </a:r>
+            <a:r>
+              <a:rPr lang="zh-CN" altLang="en-US" sz="2600" b="1" dirty="0" smtClean="0"/>
+              <a:t>代码生成器</a:t>
+            </a:r>
+            <a:endParaRPr lang="en-US" altLang="zh-CN" sz="2600" dirty="0" smtClean="0"/>
+          </a:p>
+          <a:p>
+            <a:pPr marL="0" indent="0">
+              <a:buNone/>
+            </a:pPr>
+            <a:r>
+              <a:rPr lang="en-US" altLang="zh-CN" sz="2600" dirty="0"/>
+              <a:t>https://</a:t>
+            </a:r>
+            <a:r>
+              <a:rPr lang="en-US" altLang="zh-CN" sz="2600" dirty="0" smtClean="0"/>
+              <a:t>github.com/mybatis/generator</a:t>
+            </a:r>
+          </a:p>
+          <a:p>
+            <a:r>
+              <a:rPr lang="en-US" altLang="zh-CN" sz="2600" b="1" dirty="0" err="1" smtClean="0"/>
+              <a:t>Mybatis-PageHelper</a:t>
+            </a:r>
+            <a:r>
+              <a:rPr lang="zh-CN" altLang="en-US" sz="2600" b="1" dirty="0"/>
+              <a:t>分</a:t>
+            </a:r>
+            <a:r>
+              <a:rPr lang="zh-CN" altLang="en-US" sz="2600" b="1" dirty="0" smtClean="0"/>
+              <a:t>页插件</a:t>
+            </a:r>
+            <a:endParaRPr lang="en-US" altLang="zh-CN" sz="2600" b="1" dirty="0" smtClean="0"/>
+          </a:p>
+          <a:p>
+            <a:pPr marL="0" indent="0">
+              <a:buNone/>
+            </a:pPr>
+            <a:r>
+              <a:rPr lang="en-US" altLang="zh-CN" sz="2600" dirty="0" smtClean="0"/>
+              <a:t>https</a:t>
+            </a:r>
+            <a:r>
+              <a:rPr lang="en-US" altLang="zh-CN" sz="2600" dirty="0"/>
+              <a:t>://github.com/pagehelper/Mybatis-PageHelper</a:t>
+            </a:r>
+            <a:endParaRPr lang="en-US" altLang="zh-CN" sz="2600" dirty="0" smtClean="0"/>
+          </a:p>
+          <a:p>
+            <a:pPr marL="0" indent="0">
+              <a:buNone/>
+            </a:pPr>
+            <a:endParaRPr lang="zh-CN" altLang="en-US" dirty="0"/>
+          </a:p>
+        </p:txBody>
+      </p:sp>
+    </p:spTree>
+    <p:extLst>
+      <p:ext uri="{BB962C8B-B14F-4D97-AF65-F5344CB8AC3E}">
+        <p14:creationId xmlns:p14="http://schemas.microsoft.com/office/powerpoint/2010/main" val="1814483423"/>
+      </p:ext>
+    </p:extLst>
+  </p:cSld>
+  <p:clrMapOvr>
+    <a:masterClrMapping/>
+  </p:clrMapOvr>
+  <p:timing>
+    <p:tnLst>
+      <p:par>
+        <p:cTn id="1" dur="indefinite" restart="never" nodeType="tmRoot"/>
+      </p:par>
+    </p:tnLst>
+  </p:timing>
+</p:sld>
+</file>
+
+<file path=ppt/slides/slide38.xml><?xml version="1.0" encoding="utf-8"?>
+<p:sld xmlns:a="http://schemas.openxmlformats.org/drawingml/2006/main" xmlns:r="http://schemas.openxmlformats.org/officeDocument/2006/relationships" xmlns:p="http://schemas.openxmlformats.org/presentationml/2006/main">
+  <p:cSld>
+    <p:spTree>
+      <p:nvGrpSpPr>
+        <p:cNvPr id="1" name=""/>
+        <p:cNvGrpSpPr/>
+        <p:nvPr/>
+      </p:nvGrpSpPr>
+      <p:grpSpPr>
+        <a:xfrm>
+          <a:off x="0" y="0"/>
+          <a:ext cx="0" cy="0"/>
+          <a:chOff x="0" y="0"/>
+          <a:chExt cx="0" cy="0"/>
+        </a:xfrm>
+      </p:grpSpPr>
+      <p:sp>
+        <p:nvSpPr>
+          <p:cNvPr id="2" name="标题 1"/>
+          <p:cNvSpPr>
+            <a:spLocks noGrp="1"/>
+          </p:cNvSpPr>
+          <p:nvPr>
+            <p:ph type="title" idx="4294967295"/>
+          </p:nvPr>
+        </p:nvSpPr>
+        <p:spPr>
+          <a:xfrm>
+            <a:off x="395536" y="2492896"/>
+            <a:ext cx="8229600" cy="1143000"/>
+          </a:xfrm>
+        </p:spPr>
+        <p:txBody>
+          <a:bodyPr/>
+          <a:lstStyle/>
+          <a:p>
+            <a:r>
+              <a:rPr lang="en-US" altLang="zh-CN" dirty="0" smtClean="0"/>
+              <a:t>Thanks!</a:t>
+            </a:r>
+            <a:endParaRPr lang="zh-CN" altLang="en-US" dirty="0"/>
+          </a:p>
+        </p:txBody>
+      </p:sp>
+    </p:spTree>
+    <p:extLst>
+      <p:ext uri="{BB962C8B-B14F-4D97-AF65-F5344CB8AC3E}">
+        <p14:creationId xmlns:p14="http://schemas.microsoft.com/office/powerpoint/2010/main" val="424516764"/>
       </p:ext>
     </p:extLst>
   </p:cSld>
